--- a/yourtour/documents/business/游途网(YourTour) APP规划说明书V2.3.pptx
+++ b/yourtour/documents/business/游途网(YourTour) APP规划说明书V2.3.pptx
@@ -218,7 +218,7 @@
           <a:p>
             <a:fld id="{58B453A2-93A9-4494-8C1F-EF56A5184F87}" type="datetimeFigureOut">
               <a:rPr lang="zh-CN" altLang="en-US" smtClean="0"/>
-              <a:t>2015/1/25</a:t>
+              <a:t>2016/2/28</a:t>
             </a:fld>
             <a:endParaRPr lang="zh-CN" altLang="en-US"/>
           </a:p>
@@ -2712,7 +2712,7 @@
           <a:p>
             <a:fld id="{D7341E49-E09D-4E94-BAB9-D360E34D9454}" type="datetimeFigureOut">
               <a:rPr lang="zh-CN" altLang="en-US" smtClean="0"/>
-              <a:t>2015/1/25</a:t>
+              <a:t>2016/2/28</a:t>
             </a:fld>
             <a:endParaRPr lang="zh-CN" altLang="en-US"/>
           </a:p>
@@ -2887,7 +2887,7 @@
   </p:clrMapOvr>
   <p:extLst mod="1">
     <p:ext uri="{DCECCB84-F9BA-43D5-87BE-67443E8EF086}">
-      <p15:sldGuideLst xmlns:p15="http://schemas.microsoft.com/office/powerpoint/2012/main" xmlns=""/>
+      <p15:sldGuideLst xmlns="" xmlns:p15="http://schemas.microsoft.com/office/powerpoint/2012/main"/>
     </p:ext>
   </p:extLst>
 </p:sldLayout>
@@ -3002,7 +3002,7 @@
           <a:p>
             <a:fld id="{D7341E49-E09D-4E94-BAB9-D360E34D9454}" type="datetimeFigureOut">
               <a:rPr lang="zh-CN" altLang="en-US" smtClean="0"/>
-              <a:t>2015/1/25</a:t>
+              <a:t>2016/2/28</a:t>
             </a:fld>
             <a:endParaRPr lang="zh-CN" altLang="en-US"/>
           </a:p>
@@ -3182,7 +3182,7 @@
           <a:p>
             <a:fld id="{D7341E49-E09D-4E94-BAB9-D360E34D9454}" type="datetimeFigureOut">
               <a:rPr lang="zh-CN" altLang="en-US" smtClean="0"/>
-              <a:t>2015/1/25</a:t>
+              <a:t>2016/2/28</a:t>
             </a:fld>
             <a:endParaRPr lang="zh-CN" altLang="en-US"/>
           </a:p>
@@ -3330,7 +3330,7 @@
           <a:p>
             <a:fld id="{D7341E49-E09D-4E94-BAB9-D360E34D9454}" type="datetimeFigureOut">
               <a:rPr lang="zh-CN" altLang="en-US" smtClean="0"/>
-              <a:t>2015/1/25</a:t>
+              <a:t>2016/2/28</a:t>
             </a:fld>
             <a:endParaRPr lang="zh-CN" altLang="en-US"/>
           </a:p>
@@ -3584,7 +3584,7 @@
           <a:p>
             <a:fld id="{D7341E49-E09D-4E94-BAB9-D360E34D9454}" type="datetimeFigureOut">
               <a:rPr lang="zh-CN" altLang="en-US" smtClean="0"/>
-              <a:t>2015/1/25</a:t>
+              <a:t>2016/2/28</a:t>
             </a:fld>
             <a:endParaRPr lang="zh-CN" altLang="en-US"/>
           </a:p>
@@ -3644,7 +3644,7 @@
   </p:clrMapOvr>
   <p:extLst mod="1">
     <p:ext uri="{DCECCB84-F9BA-43D5-87BE-67443E8EF086}">
-      <p15:sldGuideLst xmlns:p15="http://schemas.microsoft.com/office/powerpoint/2012/main" xmlns=""/>
+      <p15:sldGuideLst xmlns="" xmlns:p15="http://schemas.microsoft.com/office/powerpoint/2012/main"/>
     </p:ext>
   </p:extLst>
 </p:sldLayout>
@@ -3821,7 +3821,7 @@
           <a:p>
             <a:fld id="{D7341E49-E09D-4E94-BAB9-D360E34D9454}" type="datetimeFigureOut">
               <a:rPr lang="zh-CN" altLang="en-US" smtClean="0"/>
-              <a:t>2015/1/25</a:t>
+              <a:t>2016/2/28</a:t>
             </a:fld>
             <a:endParaRPr lang="zh-CN" altLang="en-US"/>
           </a:p>
@@ -4188,7 +4188,7 @@
           <a:p>
             <a:fld id="{D7341E49-E09D-4E94-BAB9-D360E34D9454}" type="datetimeFigureOut">
               <a:rPr lang="zh-CN" altLang="en-US" smtClean="0"/>
-              <a:t>2015/1/25</a:t>
+              <a:t>2016/2/28</a:t>
             </a:fld>
             <a:endParaRPr lang="zh-CN" altLang="en-US"/>
           </a:p>
@@ -4306,7 +4306,7 @@
           <a:p>
             <a:fld id="{D7341E49-E09D-4E94-BAB9-D360E34D9454}" type="datetimeFigureOut">
               <a:rPr lang="zh-CN" altLang="en-US" smtClean="0"/>
-              <a:t>2015/1/25</a:t>
+              <a:t>2016/2/28</a:t>
             </a:fld>
             <a:endParaRPr lang="zh-CN" altLang="en-US"/>
           </a:p>
@@ -4401,7 +4401,7 @@
           <a:p>
             <a:fld id="{D7341E49-E09D-4E94-BAB9-D360E34D9454}" type="datetimeFigureOut">
               <a:rPr lang="zh-CN" altLang="en-US" smtClean="0"/>
-              <a:t>2015/1/25</a:t>
+              <a:t>2016/2/28</a:t>
             </a:fld>
             <a:endParaRPr lang="zh-CN" altLang="en-US"/>
           </a:p>
@@ -4678,7 +4678,7 @@
           <a:p>
             <a:fld id="{D7341E49-E09D-4E94-BAB9-D360E34D9454}" type="datetimeFigureOut">
               <a:rPr lang="zh-CN" altLang="en-US" smtClean="0"/>
-              <a:t>2015/1/25</a:t>
+              <a:t>2016/2/28</a:t>
             </a:fld>
             <a:endParaRPr lang="zh-CN" altLang="en-US"/>
           </a:p>
@@ -4935,7 +4935,7 @@
           <a:p>
             <a:fld id="{D7341E49-E09D-4E94-BAB9-D360E34D9454}" type="datetimeFigureOut">
               <a:rPr lang="zh-CN" altLang="en-US" smtClean="0"/>
-              <a:t>2015/1/25</a:t>
+              <a:t>2016/2/28</a:t>
             </a:fld>
             <a:endParaRPr lang="zh-CN" altLang="en-US"/>
           </a:p>
@@ -5542,7 +5542,7 @@
           <a:p>
             <a:fld id="{D7341E49-E09D-4E94-BAB9-D360E34D9454}" type="datetimeFigureOut">
               <a:rPr lang="zh-CN" altLang="en-US" smtClean="0"/>
-              <a:t>2015/1/25</a:t>
+              <a:t>2016/2/28</a:t>
             </a:fld>
             <a:endParaRPr lang="zh-CN" altLang="en-US"/>
           </a:p>
@@ -5969,7 +5969,7 @@
   </p:txStyles>
   <p:extLst mod="1">
     <p:ext uri="{27BBF7A9-308A-43DC-89C8-2F10F3537804}">
-      <p15:sldGuideLst xmlns:p15="http://schemas.microsoft.com/office/powerpoint/2012/main" xmlns=""/>
+      <p15:sldGuideLst xmlns="" xmlns:p15="http://schemas.microsoft.com/office/powerpoint/2012/main"/>
     </p:ext>
   </p:extLst>
 </p:sldMaster>
@@ -8294,8 +8294,84 @@
                 <a:latin typeface="微软雅黑" panose="020B0503020204020204" pitchFamily="34" charset="-122"/>
                 <a:ea typeface="微软雅黑" panose="020B0503020204020204" pitchFamily="34" charset="-122"/>
               </a:rPr>
-              <a:t>旅行足迹的产生通过旅友的签到产生</a:t>
-            </a:r>
+              <a:t>旅行足迹的</a:t>
+            </a:r>
+            <a:r>
+              <a:rPr lang="zh-CN" altLang="en-US" dirty="0" smtClean="0">
+                <a:solidFill>
+                  <a:schemeClr val="accent2"/>
+                </a:solidFill>
+                <a:latin typeface="微软雅黑" panose="020B0503020204020204" pitchFamily="34" charset="-122"/>
+                <a:ea typeface="微软雅黑" panose="020B0503020204020204" pitchFamily="34" charset="-122"/>
+              </a:rPr>
+              <a:t>产生   通过</a:t>
+            </a:r>
+            <a:r>
+              <a:rPr lang="zh-CN" altLang="en-US" dirty="0" smtClean="0">
+                <a:solidFill>
+                  <a:schemeClr val="accent2"/>
+                </a:solidFill>
+                <a:latin typeface="微软雅黑" panose="020B0503020204020204" pitchFamily="34" charset="-122"/>
+                <a:ea typeface="微软雅黑" panose="020B0503020204020204" pitchFamily="34" charset="-122"/>
+              </a:rPr>
+              <a:t>旅友的签到</a:t>
+            </a:r>
+            <a:r>
+              <a:rPr lang="zh-CN" altLang="en-US" dirty="0" smtClean="0">
+                <a:solidFill>
+                  <a:schemeClr val="accent2"/>
+                </a:solidFill>
+                <a:latin typeface="微软雅黑" panose="020B0503020204020204" pitchFamily="34" charset="-122"/>
+                <a:ea typeface="微软雅黑" panose="020B0503020204020204" pitchFamily="34" charset="-122"/>
+              </a:rPr>
+              <a:t>产生</a:t>
+            </a:r>
+            <a:endParaRPr lang="en-US" altLang="zh-CN" dirty="0" smtClean="0">
+              <a:solidFill>
+                <a:schemeClr val="accent2"/>
+              </a:solidFill>
+              <a:latin typeface="微软雅黑" panose="020B0503020204020204" pitchFamily="34" charset="-122"/>
+              <a:ea typeface="微软雅黑" panose="020B0503020204020204" pitchFamily="34" charset="-122"/>
+            </a:endParaRPr>
+          </a:p>
+          <a:p>
+            <a:pPr marL="357188" lvl="3" indent="-357188">
+              <a:lnSpc>
+                <a:spcPct val="110000"/>
+              </a:lnSpc>
+              <a:spcBef>
+                <a:spcPts val="1800"/>
+              </a:spcBef>
+              <a:buClr>
+                <a:schemeClr val="accent1"/>
+              </a:buClr>
+              <a:buSzPct val="60000"/>
+              <a:buFont typeface="Wingdings" panose="05000000000000000000" pitchFamily="2" charset="2"/>
+              <a:buChar char="¢"/>
+            </a:pPr>
+            <a:endParaRPr lang="en-US" altLang="zh-CN">
+              <a:solidFill>
+                <a:schemeClr val="accent2"/>
+              </a:solidFill>
+              <a:latin typeface="微软雅黑" panose="020B0503020204020204" pitchFamily="34" charset="-122"/>
+              <a:ea typeface="微软雅黑" panose="020B0503020204020204" pitchFamily="34" charset="-122"/>
+            </a:endParaRPr>
+          </a:p>
+          <a:p>
+            <a:pPr marL="357188" lvl="3" indent="-357188">
+              <a:lnSpc>
+                <a:spcPct val="110000"/>
+              </a:lnSpc>
+              <a:spcBef>
+                <a:spcPts val="1800"/>
+              </a:spcBef>
+              <a:buClr>
+                <a:schemeClr val="accent1"/>
+              </a:buClr>
+              <a:buSzPct val="60000"/>
+              <a:buFont typeface="Wingdings" panose="05000000000000000000" pitchFamily="2" charset="2"/>
+              <a:buChar char="¢"/>
+            </a:pPr>
             <a:endParaRPr lang="en-US" altLang="zh-CN" dirty="0" smtClean="0">
               <a:solidFill>
                 <a:schemeClr val="accent2"/>
@@ -9841,17 +9917,7 @@
                 <a:latin typeface="微软雅黑" panose="020B0503020204020204" pitchFamily="34" charset="-122"/>
                 <a:ea typeface="微软雅黑" panose="020B0503020204020204" pitchFamily="34" charset="-122"/>
               </a:rPr>
-              <a:t>、行程制定、行程</a:t>
-            </a:r>
-            <a:r>
-              <a:rPr lang="zh-CN" altLang="en-US" sz="1600" dirty="0" smtClean="0">
-                <a:solidFill>
-                  <a:schemeClr val="accent2"/>
-                </a:solidFill>
-                <a:latin typeface="微软雅黑" panose="020B0503020204020204" pitchFamily="34" charset="-122"/>
-                <a:ea typeface="微软雅黑" panose="020B0503020204020204" pitchFamily="34" charset="-122"/>
-              </a:rPr>
-              <a:t>调整、行程预定。（后期可以考虑旅行规划师这块）</a:t>
+              <a:t>、行程制定、行程调整、行程预定。（后期可以考虑旅行规划师这块）</a:t>
             </a:r>
             <a:endParaRPr lang="en-US" altLang="zh-CN" sz="1600" dirty="0" smtClean="0">
               <a:solidFill>
@@ -9909,17 +9975,7 @@
                 <a:latin typeface="微软雅黑" panose="020B0503020204020204" pitchFamily="34" charset="-122"/>
                 <a:ea typeface="微软雅黑" panose="020B0503020204020204" pitchFamily="34" charset="-122"/>
               </a:rPr>
-              <a:t>行程签到，</a:t>
-            </a:r>
-            <a:r>
-              <a:rPr lang="zh-CN" altLang="en-US" sz="1600" dirty="0" smtClean="0">
-                <a:solidFill>
-                  <a:schemeClr val="accent2"/>
-                </a:solidFill>
-                <a:latin typeface="微软雅黑" panose="020B0503020204020204" pitchFamily="34" charset="-122"/>
-                <a:ea typeface="微软雅黑" panose="020B0503020204020204" pitchFamily="34" charset="-122"/>
-              </a:rPr>
-              <a:t>包括</a:t>
+              <a:t>行程签到，包括</a:t>
             </a:r>
             <a:r>
               <a:rPr lang="zh-CN" altLang="en-US" sz="1600" dirty="0">
@@ -15471,7 +15527,7 @@
   <a:extraClrSchemeLst/>
   <a:extLst>
     <a:ext uri="{05A4C25C-085E-4340-85A3-A5531E510DB2}">
-      <thm15:themeFamily xmlns:thm15="http://schemas.microsoft.com/office/thememl/2012/main" xmlns="" name="Office Theme" id="{62F939B6-93AF-4DB8-9C6B-D6C7DFDC589F}" vid="{4A3C46E8-61CC-4603-A589-7422A47A8E4A}"/>
+      <thm15:themeFamily xmlns="" xmlns:thm15="http://schemas.microsoft.com/office/thememl/2012/main" name="Office Theme" id="{62F939B6-93AF-4DB8-9C6B-D6C7DFDC589F}" vid="{4A3C46E8-61CC-4603-A589-7422A47A8E4A}"/>
     </a:ext>
   </a:extLst>
 </a:theme>
